--- a/4 STUDENTS/valacich_esad6e_pp_ch10.pptx
+++ b/4 STUDENTS/valacich_esad6e_pp_ch10.pptx
@@ -21386,7 +21386,7 @@
           <a:graphicData uri="http://schemas.openxmlformats.org/presentationml/2006/ole">
             <mc:AlternateContent xmlns:mc="http://schemas.openxmlformats.org/markup-compatibility/2006">
               <mc:Choice xmlns:v="urn:schemas-microsoft-com:vml" Requires="v">
-                <p:oleObj spid="_x0000_s327687" name="Document" r:id="rId3" imgW="7936091" imgH="4793501" progId="Word.Document.8">
+                <p:oleObj spid="_x0000_s327688" name="Document" r:id="rId3" imgW="7936091" imgH="4793501" progId="Word.Document.8">
                   <p:embed/>
                 </p:oleObj>
               </mc:Choice>
